--- a/Hira samihafa/Amorony fo madio aho!.pptx
+++ b/Hira samihafa/Amorony fo madio aho!.pptx
@@ -143,7 +143,7 @@
           <p:cNvPr id="2" name="Titre 1">
             <a:extLst>
               <a:ext uri="{FF2B5EF4-FFF2-40B4-BE49-F238E27FC236}">
-                <a16:creationId xmlns:a16="http://schemas.microsoft.com/office/drawing/2014/main" id="{99E25EFF-9892-C649-85B2-47955C668F10}"/>
+                <a16:creationId xmlns:a16="http://schemas.microsoft.com/office/drawing/2014/main" xmlns="" id="{99E25EFF-9892-C649-85B2-47955C668F10}"/>
               </a:ext>
             </a:extLst>
           </p:cNvPr>
@@ -180,7 +180,7 @@
           <p:cNvPr id="3" name="Sous-titre 2">
             <a:extLst>
               <a:ext uri="{FF2B5EF4-FFF2-40B4-BE49-F238E27FC236}">
-                <a16:creationId xmlns:a16="http://schemas.microsoft.com/office/drawing/2014/main" id="{B68BB500-6968-42F1-AFB7-5AFC4A7A716B}"/>
+                <a16:creationId xmlns:a16="http://schemas.microsoft.com/office/drawing/2014/main" xmlns="" id="{B68BB500-6968-42F1-AFB7-5AFC4A7A716B}"/>
               </a:ext>
             </a:extLst>
           </p:cNvPr>
@@ -250,7 +250,7 @@
           <p:cNvPr id="4" name="Espace réservé de la date 3">
             <a:extLst>
               <a:ext uri="{FF2B5EF4-FFF2-40B4-BE49-F238E27FC236}">
-                <a16:creationId xmlns:a16="http://schemas.microsoft.com/office/drawing/2014/main" id="{E941B450-96AB-5D08-8E8D-83D2AAB32CEA}"/>
+                <a16:creationId xmlns:a16="http://schemas.microsoft.com/office/drawing/2014/main" xmlns="" id="{E941B450-96AB-5D08-8E8D-83D2AAB32CEA}"/>
               </a:ext>
             </a:extLst>
           </p:cNvPr>
@@ -268,7 +268,7 @@
           <a:p>
             <a:fld id="{779C213A-4D8A-4741-98F3-5550D0BF8855}" type="datetimeFigureOut">
               <a:rPr lang="fr-FR" smtClean="0"/>
-              <a:t>09/06/2024</a:t>
+              <a:t>09/03/2025</a:t>
             </a:fld>
             <a:endParaRPr lang="fr-FR"/>
           </a:p>
@@ -279,7 +279,7 @@
           <p:cNvPr id="5" name="Espace réservé du pied de page 4">
             <a:extLst>
               <a:ext uri="{FF2B5EF4-FFF2-40B4-BE49-F238E27FC236}">
-                <a16:creationId xmlns:a16="http://schemas.microsoft.com/office/drawing/2014/main" id="{960FC6C9-9469-1076-C8C2-70DEC7D0AB38}"/>
+                <a16:creationId xmlns:a16="http://schemas.microsoft.com/office/drawing/2014/main" xmlns="" id="{960FC6C9-9469-1076-C8C2-70DEC7D0AB38}"/>
               </a:ext>
             </a:extLst>
           </p:cNvPr>
@@ -304,7 +304,7 @@
           <p:cNvPr id="6" name="Espace réservé du numéro de diapositive 5">
             <a:extLst>
               <a:ext uri="{FF2B5EF4-FFF2-40B4-BE49-F238E27FC236}">
-                <a16:creationId xmlns:a16="http://schemas.microsoft.com/office/drawing/2014/main" id="{78C31EB8-C61E-4DFF-1417-73FDF438E040}"/>
+                <a16:creationId xmlns:a16="http://schemas.microsoft.com/office/drawing/2014/main" xmlns="" id="{78C31EB8-C61E-4DFF-1417-73FDF438E040}"/>
               </a:ext>
             </a:extLst>
           </p:cNvPr>
@@ -363,7 +363,7 @@
           <p:cNvPr id="2" name="Titre 1">
             <a:extLst>
               <a:ext uri="{FF2B5EF4-FFF2-40B4-BE49-F238E27FC236}">
-                <a16:creationId xmlns:a16="http://schemas.microsoft.com/office/drawing/2014/main" id="{8EF9F8FE-38A6-9B2C-E7EE-0B0766AA8EB5}"/>
+                <a16:creationId xmlns:a16="http://schemas.microsoft.com/office/drawing/2014/main" xmlns="" id="{8EF9F8FE-38A6-9B2C-E7EE-0B0766AA8EB5}"/>
               </a:ext>
             </a:extLst>
           </p:cNvPr>
@@ -391,7 +391,7 @@
           <p:cNvPr id="3" name="Espace réservé du texte vertical 2">
             <a:extLst>
               <a:ext uri="{FF2B5EF4-FFF2-40B4-BE49-F238E27FC236}">
-                <a16:creationId xmlns:a16="http://schemas.microsoft.com/office/drawing/2014/main" id="{658F0FA5-08F8-FFBC-2A6B-F4896C21D157}"/>
+                <a16:creationId xmlns:a16="http://schemas.microsoft.com/office/drawing/2014/main" xmlns="" id="{658F0FA5-08F8-FFBC-2A6B-F4896C21D157}"/>
               </a:ext>
             </a:extLst>
           </p:cNvPr>
@@ -448,7 +448,7 @@
           <p:cNvPr id="4" name="Espace réservé de la date 3">
             <a:extLst>
               <a:ext uri="{FF2B5EF4-FFF2-40B4-BE49-F238E27FC236}">
-                <a16:creationId xmlns:a16="http://schemas.microsoft.com/office/drawing/2014/main" id="{D6A31FB0-9811-B306-C59D-D618F5FD499B}"/>
+                <a16:creationId xmlns:a16="http://schemas.microsoft.com/office/drawing/2014/main" xmlns="" id="{D6A31FB0-9811-B306-C59D-D618F5FD499B}"/>
               </a:ext>
             </a:extLst>
           </p:cNvPr>
@@ -466,7 +466,7 @@
           <a:p>
             <a:fld id="{779C213A-4D8A-4741-98F3-5550D0BF8855}" type="datetimeFigureOut">
               <a:rPr lang="fr-FR" smtClean="0"/>
-              <a:t>09/06/2024</a:t>
+              <a:t>09/03/2025</a:t>
             </a:fld>
             <a:endParaRPr lang="fr-FR"/>
           </a:p>
@@ -477,7 +477,7 @@
           <p:cNvPr id="5" name="Espace réservé du pied de page 4">
             <a:extLst>
               <a:ext uri="{FF2B5EF4-FFF2-40B4-BE49-F238E27FC236}">
-                <a16:creationId xmlns:a16="http://schemas.microsoft.com/office/drawing/2014/main" id="{D2FD65E8-D331-EA05-29D6-95CDA01EAF74}"/>
+                <a16:creationId xmlns:a16="http://schemas.microsoft.com/office/drawing/2014/main" xmlns="" id="{D2FD65E8-D331-EA05-29D6-95CDA01EAF74}"/>
               </a:ext>
             </a:extLst>
           </p:cNvPr>
@@ -502,7 +502,7 @@
           <p:cNvPr id="6" name="Espace réservé du numéro de diapositive 5">
             <a:extLst>
               <a:ext uri="{FF2B5EF4-FFF2-40B4-BE49-F238E27FC236}">
-                <a16:creationId xmlns:a16="http://schemas.microsoft.com/office/drawing/2014/main" id="{B39B4CAF-9C71-94E5-4450-0D569C94D535}"/>
+                <a16:creationId xmlns:a16="http://schemas.microsoft.com/office/drawing/2014/main" xmlns="" id="{B39B4CAF-9C71-94E5-4450-0D569C94D535}"/>
               </a:ext>
             </a:extLst>
           </p:cNvPr>
@@ -561,7 +561,7 @@
           <p:cNvPr id="2" name="Titre vertical 1">
             <a:extLst>
               <a:ext uri="{FF2B5EF4-FFF2-40B4-BE49-F238E27FC236}">
-                <a16:creationId xmlns:a16="http://schemas.microsoft.com/office/drawing/2014/main" id="{797D09CA-B0E0-7AD8-050B-037651C2F1C7}"/>
+                <a16:creationId xmlns:a16="http://schemas.microsoft.com/office/drawing/2014/main" xmlns="" id="{797D09CA-B0E0-7AD8-050B-037651C2F1C7}"/>
               </a:ext>
             </a:extLst>
           </p:cNvPr>
@@ -594,7 +594,7 @@
           <p:cNvPr id="3" name="Espace réservé du texte vertical 2">
             <a:extLst>
               <a:ext uri="{FF2B5EF4-FFF2-40B4-BE49-F238E27FC236}">
-                <a16:creationId xmlns:a16="http://schemas.microsoft.com/office/drawing/2014/main" id="{8618EE1A-7CC5-C3E6-0FBE-512654344EFE}"/>
+                <a16:creationId xmlns:a16="http://schemas.microsoft.com/office/drawing/2014/main" xmlns="" id="{8618EE1A-7CC5-C3E6-0FBE-512654344EFE}"/>
               </a:ext>
             </a:extLst>
           </p:cNvPr>
@@ -656,7 +656,7 @@
           <p:cNvPr id="4" name="Espace réservé de la date 3">
             <a:extLst>
               <a:ext uri="{FF2B5EF4-FFF2-40B4-BE49-F238E27FC236}">
-                <a16:creationId xmlns:a16="http://schemas.microsoft.com/office/drawing/2014/main" id="{F3B1B74F-E387-3D6B-DF63-54F555B33598}"/>
+                <a16:creationId xmlns:a16="http://schemas.microsoft.com/office/drawing/2014/main" xmlns="" id="{F3B1B74F-E387-3D6B-DF63-54F555B33598}"/>
               </a:ext>
             </a:extLst>
           </p:cNvPr>
@@ -674,7 +674,7 @@
           <a:p>
             <a:fld id="{779C213A-4D8A-4741-98F3-5550D0BF8855}" type="datetimeFigureOut">
               <a:rPr lang="fr-FR" smtClean="0"/>
-              <a:t>09/06/2024</a:t>
+              <a:t>09/03/2025</a:t>
             </a:fld>
             <a:endParaRPr lang="fr-FR"/>
           </a:p>
@@ -685,7 +685,7 @@
           <p:cNvPr id="5" name="Espace réservé du pied de page 4">
             <a:extLst>
               <a:ext uri="{FF2B5EF4-FFF2-40B4-BE49-F238E27FC236}">
-                <a16:creationId xmlns:a16="http://schemas.microsoft.com/office/drawing/2014/main" id="{EC75B081-3C2A-ACE9-E08D-1EE1BD229634}"/>
+                <a16:creationId xmlns:a16="http://schemas.microsoft.com/office/drawing/2014/main" xmlns="" id="{EC75B081-3C2A-ACE9-E08D-1EE1BD229634}"/>
               </a:ext>
             </a:extLst>
           </p:cNvPr>
@@ -710,7 +710,7 @@
           <p:cNvPr id="6" name="Espace réservé du numéro de diapositive 5">
             <a:extLst>
               <a:ext uri="{FF2B5EF4-FFF2-40B4-BE49-F238E27FC236}">
-                <a16:creationId xmlns:a16="http://schemas.microsoft.com/office/drawing/2014/main" id="{B78704B4-1DFA-E56A-6961-D3C6131682AD}"/>
+                <a16:creationId xmlns:a16="http://schemas.microsoft.com/office/drawing/2014/main" xmlns="" id="{B78704B4-1DFA-E56A-6961-D3C6131682AD}"/>
               </a:ext>
             </a:extLst>
           </p:cNvPr>
@@ -769,7 +769,7 @@
           <p:cNvPr id="2" name="Titre 1">
             <a:extLst>
               <a:ext uri="{FF2B5EF4-FFF2-40B4-BE49-F238E27FC236}">
-                <a16:creationId xmlns:a16="http://schemas.microsoft.com/office/drawing/2014/main" id="{A20F1AE3-32D0-84F1-F055-5B7C8013AE54}"/>
+                <a16:creationId xmlns:a16="http://schemas.microsoft.com/office/drawing/2014/main" xmlns="" id="{A20F1AE3-32D0-84F1-F055-5B7C8013AE54}"/>
               </a:ext>
             </a:extLst>
           </p:cNvPr>
@@ -797,7 +797,7 @@
           <p:cNvPr id="3" name="Espace réservé du contenu 2">
             <a:extLst>
               <a:ext uri="{FF2B5EF4-FFF2-40B4-BE49-F238E27FC236}">
-                <a16:creationId xmlns:a16="http://schemas.microsoft.com/office/drawing/2014/main" id="{80B84C7F-BFA1-B44C-31C3-C21C37F207F5}"/>
+                <a16:creationId xmlns:a16="http://schemas.microsoft.com/office/drawing/2014/main" xmlns="" id="{80B84C7F-BFA1-B44C-31C3-C21C37F207F5}"/>
               </a:ext>
             </a:extLst>
           </p:cNvPr>
@@ -854,7 +854,7 @@
           <p:cNvPr id="4" name="Espace réservé de la date 3">
             <a:extLst>
               <a:ext uri="{FF2B5EF4-FFF2-40B4-BE49-F238E27FC236}">
-                <a16:creationId xmlns:a16="http://schemas.microsoft.com/office/drawing/2014/main" id="{8371F5FD-E111-BCF4-2204-D2B903A80949}"/>
+                <a16:creationId xmlns:a16="http://schemas.microsoft.com/office/drawing/2014/main" xmlns="" id="{8371F5FD-E111-BCF4-2204-D2B903A80949}"/>
               </a:ext>
             </a:extLst>
           </p:cNvPr>
@@ -872,7 +872,7 @@
           <a:p>
             <a:fld id="{779C213A-4D8A-4741-98F3-5550D0BF8855}" type="datetimeFigureOut">
               <a:rPr lang="fr-FR" smtClean="0"/>
-              <a:t>09/06/2024</a:t>
+              <a:t>09/03/2025</a:t>
             </a:fld>
             <a:endParaRPr lang="fr-FR"/>
           </a:p>
@@ -883,7 +883,7 @@
           <p:cNvPr id="5" name="Espace réservé du pied de page 4">
             <a:extLst>
               <a:ext uri="{FF2B5EF4-FFF2-40B4-BE49-F238E27FC236}">
-                <a16:creationId xmlns:a16="http://schemas.microsoft.com/office/drawing/2014/main" id="{6C749F80-0774-5FBA-D3C9-9FB81465A7F0}"/>
+                <a16:creationId xmlns:a16="http://schemas.microsoft.com/office/drawing/2014/main" xmlns="" id="{6C749F80-0774-5FBA-D3C9-9FB81465A7F0}"/>
               </a:ext>
             </a:extLst>
           </p:cNvPr>
@@ -908,7 +908,7 @@
           <p:cNvPr id="6" name="Espace réservé du numéro de diapositive 5">
             <a:extLst>
               <a:ext uri="{FF2B5EF4-FFF2-40B4-BE49-F238E27FC236}">
-                <a16:creationId xmlns:a16="http://schemas.microsoft.com/office/drawing/2014/main" id="{07DDAFFA-FECD-2A94-8CA2-BB972634B110}"/>
+                <a16:creationId xmlns:a16="http://schemas.microsoft.com/office/drawing/2014/main" xmlns="" id="{07DDAFFA-FECD-2A94-8CA2-BB972634B110}"/>
               </a:ext>
             </a:extLst>
           </p:cNvPr>
@@ -967,7 +967,7 @@
           <p:cNvPr id="2" name="Titre 1">
             <a:extLst>
               <a:ext uri="{FF2B5EF4-FFF2-40B4-BE49-F238E27FC236}">
-                <a16:creationId xmlns:a16="http://schemas.microsoft.com/office/drawing/2014/main" id="{C0E2C84E-F396-D1C0-E7AD-9E0879276BB8}"/>
+                <a16:creationId xmlns:a16="http://schemas.microsoft.com/office/drawing/2014/main" xmlns="" id="{C0E2C84E-F396-D1C0-E7AD-9E0879276BB8}"/>
               </a:ext>
             </a:extLst>
           </p:cNvPr>
@@ -1004,7 +1004,7 @@
           <p:cNvPr id="3" name="Espace réservé du texte 2">
             <a:extLst>
               <a:ext uri="{FF2B5EF4-FFF2-40B4-BE49-F238E27FC236}">
-                <a16:creationId xmlns:a16="http://schemas.microsoft.com/office/drawing/2014/main" id="{32077FCA-4699-7352-A57A-11FFE19660FB}"/>
+                <a16:creationId xmlns:a16="http://schemas.microsoft.com/office/drawing/2014/main" xmlns="" id="{32077FCA-4699-7352-A57A-11FFE19660FB}"/>
               </a:ext>
             </a:extLst>
           </p:cNvPr>
@@ -1129,7 +1129,7 @@
           <p:cNvPr id="4" name="Espace réservé de la date 3">
             <a:extLst>
               <a:ext uri="{FF2B5EF4-FFF2-40B4-BE49-F238E27FC236}">
-                <a16:creationId xmlns:a16="http://schemas.microsoft.com/office/drawing/2014/main" id="{53BB94EC-76B3-F11A-C08C-C3746AC312C6}"/>
+                <a16:creationId xmlns:a16="http://schemas.microsoft.com/office/drawing/2014/main" xmlns="" id="{53BB94EC-76B3-F11A-C08C-C3746AC312C6}"/>
               </a:ext>
             </a:extLst>
           </p:cNvPr>
@@ -1147,7 +1147,7 @@
           <a:p>
             <a:fld id="{779C213A-4D8A-4741-98F3-5550D0BF8855}" type="datetimeFigureOut">
               <a:rPr lang="fr-FR" smtClean="0"/>
-              <a:t>09/06/2024</a:t>
+              <a:t>09/03/2025</a:t>
             </a:fld>
             <a:endParaRPr lang="fr-FR"/>
           </a:p>
@@ -1158,7 +1158,7 @@
           <p:cNvPr id="5" name="Espace réservé du pied de page 4">
             <a:extLst>
               <a:ext uri="{FF2B5EF4-FFF2-40B4-BE49-F238E27FC236}">
-                <a16:creationId xmlns:a16="http://schemas.microsoft.com/office/drawing/2014/main" id="{AF1C6E4D-5105-F83C-0D74-5168883978F1}"/>
+                <a16:creationId xmlns:a16="http://schemas.microsoft.com/office/drawing/2014/main" xmlns="" id="{AF1C6E4D-5105-F83C-0D74-5168883978F1}"/>
               </a:ext>
             </a:extLst>
           </p:cNvPr>
@@ -1183,7 +1183,7 @@
           <p:cNvPr id="6" name="Espace réservé du numéro de diapositive 5">
             <a:extLst>
               <a:ext uri="{FF2B5EF4-FFF2-40B4-BE49-F238E27FC236}">
-                <a16:creationId xmlns:a16="http://schemas.microsoft.com/office/drawing/2014/main" id="{7700BE7B-694E-E081-33D4-AFEC46253645}"/>
+                <a16:creationId xmlns:a16="http://schemas.microsoft.com/office/drawing/2014/main" xmlns="" id="{7700BE7B-694E-E081-33D4-AFEC46253645}"/>
               </a:ext>
             </a:extLst>
           </p:cNvPr>
@@ -1242,7 +1242,7 @@
           <p:cNvPr id="2" name="Titre 1">
             <a:extLst>
               <a:ext uri="{FF2B5EF4-FFF2-40B4-BE49-F238E27FC236}">
-                <a16:creationId xmlns:a16="http://schemas.microsoft.com/office/drawing/2014/main" id="{8516C258-CABE-7E50-EE7C-60C3D5BB59AC}"/>
+                <a16:creationId xmlns:a16="http://schemas.microsoft.com/office/drawing/2014/main" xmlns="" id="{8516C258-CABE-7E50-EE7C-60C3D5BB59AC}"/>
               </a:ext>
             </a:extLst>
           </p:cNvPr>
@@ -1270,7 +1270,7 @@
           <p:cNvPr id="3" name="Espace réservé du contenu 2">
             <a:extLst>
               <a:ext uri="{FF2B5EF4-FFF2-40B4-BE49-F238E27FC236}">
-                <a16:creationId xmlns:a16="http://schemas.microsoft.com/office/drawing/2014/main" id="{0543D936-E7E7-C794-746C-9A316F49CB8D}"/>
+                <a16:creationId xmlns:a16="http://schemas.microsoft.com/office/drawing/2014/main" xmlns="" id="{0543D936-E7E7-C794-746C-9A316F49CB8D}"/>
               </a:ext>
             </a:extLst>
           </p:cNvPr>
@@ -1332,7 +1332,7 @@
           <p:cNvPr id="4" name="Espace réservé du contenu 3">
             <a:extLst>
               <a:ext uri="{FF2B5EF4-FFF2-40B4-BE49-F238E27FC236}">
-                <a16:creationId xmlns:a16="http://schemas.microsoft.com/office/drawing/2014/main" id="{70BCF679-4CAB-6204-1442-1847C94AA2B0}"/>
+                <a16:creationId xmlns:a16="http://schemas.microsoft.com/office/drawing/2014/main" xmlns="" id="{70BCF679-4CAB-6204-1442-1847C94AA2B0}"/>
               </a:ext>
             </a:extLst>
           </p:cNvPr>
@@ -1394,7 +1394,7 @@
           <p:cNvPr id="5" name="Espace réservé de la date 4">
             <a:extLst>
               <a:ext uri="{FF2B5EF4-FFF2-40B4-BE49-F238E27FC236}">
-                <a16:creationId xmlns:a16="http://schemas.microsoft.com/office/drawing/2014/main" id="{CCAA44F6-F5B5-D27F-2B9D-9CF339572D7A}"/>
+                <a16:creationId xmlns:a16="http://schemas.microsoft.com/office/drawing/2014/main" xmlns="" id="{CCAA44F6-F5B5-D27F-2B9D-9CF339572D7A}"/>
               </a:ext>
             </a:extLst>
           </p:cNvPr>
@@ -1412,7 +1412,7 @@
           <a:p>
             <a:fld id="{779C213A-4D8A-4741-98F3-5550D0BF8855}" type="datetimeFigureOut">
               <a:rPr lang="fr-FR" smtClean="0"/>
-              <a:t>09/06/2024</a:t>
+              <a:t>09/03/2025</a:t>
             </a:fld>
             <a:endParaRPr lang="fr-FR"/>
           </a:p>
@@ -1423,7 +1423,7 @@
           <p:cNvPr id="6" name="Espace réservé du pied de page 5">
             <a:extLst>
               <a:ext uri="{FF2B5EF4-FFF2-40B4-BE49-F238E27FC236}">
-                <a16:creationId xmlns:a16="http://schemas.microsoft.com/office/drawing/2014/main" id="{4CCFFF9C-C8E0-376E-8452-9BD76F703E95}"/>
+                <a16:creationId xmlns:a16="http://schemas.microsoft.com/office/drawing/2014/main" xmlns="" id="{4CCFFF9C-C8E0-376E-8452-9BD76F703E95}"/>
               </a:ext>
             </a:extLst>
           </p:cNvPr>
@@ -1448,7 +1448,7 @@
           <p:cNvPr id="7" name="Espace réservé du numéro de diapositive 6">
             <a:extLst>
               <a:ext uri="{FF2B5EF4-FFF2-40B4-BE49-F238E27FC236}">
-                <a16:creationId xmlns:a16="http://schemas.microsoft.com/office/drawing/2014/main" id="{1E781427-5C89-5399-3042-3FD200DAEDEC}"/>
+                <a16:creationId xmlns:a16="http://schemas.microsoft.com/office/drawing/2014/main" xmlns="" id="{1E781427-5C89-5399-3042-3FD200DAEDEC}"/>
               </a:ext>
             </a:extLst>
           </p:cNvPr>
@@ -1507,7 +1507,7 @@
           <p:cNvPr id="2" name="Titre 1">
             <a:extLst>
               <a:ext uri="{FF2B5EF4-FFF2-40B4-BE49-F238E27FC236}">
-                <a16:creationId xmlns:a16="http://schemas.microsoft.com/office/drawing/2014/main" id="{A8DEF762-137E-82D1-D572-95509879B4D7}"/>
+                <a16:creationId xmlns:a16="http://schemas.microsoft.com/office/drawing/2014/main" xmlns="" id="{A8DEF762-137E-82D1-D572-95509879B4D7}"/>
               </a:ext>
             </a:extLst>
           </p:cNvPr>
@@ -1540,7 +1540,7 @@
           <p:cNvPr id="3" name="Espace réservé du texte 2">
             <a:extLst>
               <a:ext uri="{FF2B5EF4-FFF2-40B4-BE49-F238E27FC236}">
-                <a16:creationId xmlns:a16="http://schemas.microsoft.com/office/drawing/2014/main" id="{D8D46AB2-86CD-2F65-DF6B-604819E1876B}"/>
+                <a16:creationId xmlns:a16="http://schemas.microsoft.com/office/drawing/2014/main" xmlns="" id="{D8D46AB2-86CD-2F65-DF6B-604819E1876B}"/>
               </a:ext>
             </a:extLst>
           </p:cNvPr>
@@ -1611,7 +1611,7 @@
           <p:cNvPr id="4" name="Espace réservé du contenu 3">
             <a:extLst>
               <a:ext uri="{FF2B5EF4-FFF2-40B4-BE49-F238E27FC236}">
-                <a16:creationId xmlns:a16="http://schemas.microsoft.com/office/drawing/2014/main" id="{E9195CD9-AB50-D33D-52E3-9AA43DCFB0B5}"/>
+                <a16:creationId xmlns:a16="http://schemas.microsoft.com/office/drawing/2014/main" xmlns="" id="{E9195CD9-AB50-D33D-52E3-9AA43DCFB0B5}"/>
               </a:ext>
             </a:extLst>
           </p:cNvPr>
@@ -1673,7 +1673,7 @@
           <p:cNvPr id="5" name="Espace réservé du texte 4">
             <a:extLst>
               <a:ext uri="{FF2B5EF4-FFF2-40B4-BE49-F238E27FC236}">
-                <a16:creationId xmlns:a16="http://schemas.microsoft.com/office/drawing/2014/main" id="{346BF792-8B9F-5983-9172-ABFEA2278D6E}"/>
+                <a16:creationId xmlns:a16="http://schemas.microsoft.com/office/drawing/2014/main" xmlns="" id="{346BF792-8B9F-5983-9172-ABFEA2278D6E}"/>
               </a:ext>
             </a:extLst>
           </p:cNvPr>
@@ -1744,7 +1744,7 @@
           <p:cNvPr id="6" name="Espace réservé du contenu 5">
             <a:extLst>
               <a:ext uri="{FF2B5EF4-FFF2-40B4-BE49-F238E27FC236}">
-                <a16:creationId xmlns:a16="http://schemas.microsoft.com/office/drawing/2014/main" id="{F3128089-EB73-8594-DCE0-D73D6A166E08}"/>
+                <a16:creationId xmlns:a16="http://schemas.microsoft.com/office/drawing/2014/main" xmlns="" id="{F3128089-EB73-8594-DCE0-D73D6A166E08}"/>
               </a:ext>
             </a:extLst>
           </p:cNvPr>
@@ -1806,7 +1806,7 @@
           <p:cNvPr id="7" name="Espace réservé de la date 6">
             <a:extLst>
               <a:ext uri="{FF2B5EF4-FFF2-40B4-BE49-F238E27FC236}">
-                <a16:creationId xmlns:a16="http://schemas.microsoft.com/office/drawing/2014/main" id="{A723EAD3-1CB9-26F8-A820-B64E98B20AFA}"/>
+                <a16:creationId xmlns:a16="http://schemas.microsoft.com/office/drawing/2014/main" xmlns="" id="{A723EAD3-1CB9-26F8-A820-B64E98B20AFA}"/>
               </a:ext>
             </a:extLst>
           </p:cNvPr>
@@ -1824,7 +1824,7 @@
           <a:p>
             <a:fld id="{779C213A-4D8A-4741-98F3-5550D0BF8855}" type="datetimeFigureOut">
               <a:rPr lang="fr-FR" smtClean="0"/>
-              <a:t>09/06/2024</a:t>
+              <a:t>09/03/2025</a:t>
             </a:fld>
             <a:endParaRPr lang="fr-FR"/>
           </a:p>
@@ -1835,7 +1835,7 @@
           <p:cNvPr id="8" name="Espace réservé du pied de page 7">
             <a:extLst>
               <a:ext uri="{FF2B5EF4-FFF2-40B4-BE49-F238E27FC236}">
-                <a16:creationId xmlns:a16="http://schemas.microsoft.com/office/drawing/2014/main" id="{169991E2-8554-218D-10DB-13A3C51EDA61}"/>
+                <a16:creationId xmlns:a16="http://schemas.microsoft.com/office/drawing/2014/main" xmlns="" id="{169991E2-8554-218D-10DB-13A3C51EDA61}"/>
               </a:ext>
             </a:extLst>
           </p:cNvPr>
@@ -1860,7 +1860,7 @@
           <p:cNvPr id="9" name="Espace réservé du numéro de diapositive 8">
             <a:extLst>
               <a:ext uri="{FF2B5EF4-FFF2-40B4-BE49-F238E27FC236}">
-                <a16:creationId xmlns:a16="http://schemas.microsoft.com/office/drawing/2014/main" id="{CC1DCF60-C458-2D4C-414A-4FFBBB47FE43}"/>
+                <a16:creationId xmlns:a16="http://schemas.microsoft.com/office/drawing/2014/main" xmlns="" id="{CC1DCF60-C458-2D4C-414A-4FFBBB47FE43}"/>
               </a:ext>
             </a:extLst>
           </p:cNvPr>
@@ -1919,7 +1919,7 @@
           <p:cNvPr id="2" name="Titre 1">
             <a:extLst>
               <a:ext uri="{FF2B5EF4-FFF2-40B4-BE49-F238E27FC236}">
-                <a16:creationId xmlns:a16="http://schemas.microsoft.com/office/drawing/2014/main" id="{51A83026-652E-F466-2491-FF757B320448}"/>
+                <a16:creationId xmlns:a16="http://schemas.microsoft.com/office/drawing/2014/main" xmlns="" id="{51A83026-652E-F466-2491-FF757B320448}"/>
               </a:ext>
             </a:extLst>
           </p:cNvPr>
@@ -1947,7 +1947,7 @@
           <p:cNvPr id="3" name="Espace réservé de la date 2">
             <a:extLst>
               <a:ext uri="{FF2B5EF4-FFF2-40B4-BE49-F238E27FC236}">
-                <a16:creationId xmlns:a16="http://schemas.microsoft.com/office/drawing/2014/main" id="{0CD4DBAA-CDE4-51B6-4C3D-857A8A410C98}"/>
+                <a16:creationId xmlns:a16="http://schemas.microsoft.com/office/drawing/2014/main" xmlns="" id="{0CD4DBAA-CDE4-51B6-4C3D-857A8A410C98}"/>
               </a:ext>
             </a:extLst>
           </p:cNvPr>
@@ -1965,7 +1965,7 @@
           <a:p>
             <a:fld id="{779C213A-4D8A-4741-98F3-5550D0BF8855}" type="datetimeFigureOut">
               <a:rPr lang="fr-FR" smtClean="0"/>
-              <a:t>09/06/2024</a:t>
+              <a:t>09/03/2025</a:t>
             </a:fld>
             <a:endParaRPr lang="fr-FR"/>
           </a:p>
@@ -1976,7 +1976,7 @@
           <p:cNvPr id="4" name="Espace réservé du pied de page 3">
             <a:extLst>
               <a:ext uri="{FF2B5EF4-FFF2-40B4-BE49-F238E27FC236}">
-                <a16:creationId xmlns:a16="http://schemas.microsoft.com/office/drawing/2014/main" id="{F9ADCCA4-8384-AE9D-960B-B4BB9BA48E19}"/>
+                <a16:creationId xmlns:a16="http://schemas.microsoft.com/office/drawing/2014/main" xmlns="" id="{F9ADCCA4-8384-AE9D-960B-B4BB9BA48E19}"/>
               </a:ext>
             </a:extLst>
           </p:cNvPr>
@@ -2001,7 +2001,7 @@
           <p:cNvPr id="5" name="Espace réservé du numéro de diapositive 4">
             <a:extLst>
               <a:ext uri="{FF2B5EF4-FFF2-40B4-BE49-F238E27FC236}">
-                <a16:creationId xmlns:a16="http://schemas.microsoft.com/office/drawing/2014/main" id="{2C2856D9-274B-B2C7-6E3D-CD6E86273C17}"/>
+                <a16:creationId xmlns:a16="http://schemas.microsoft.com/office/drawing/2014/main" xmlns="" id="{2C2856D9-274B-B2C7-6E3D-CD6E86273C17}"/>
               </a:ext>
             </a:extLst>
           </p:cNvPr>
@@ -2060,7 +2060,7 @@
           <p:cNvPr id="2" name="Espace réservé de la date 1">
             <a:extLst>
               <a:ext uri="{FF2B5EF4-FFF2-40B4-BE49-F238E27FC236}">
-                <a16:creationId xmlns:a16="http://schemas.microsoft.com/office/drawing/2014/main" id="{559B3910-A6C5-A442-E1FF-E18DC9BDDFDC}"/>
+                <a16:creationId xmlns:a16="http://schemas.microsoft.com/office/drawing/2014/main" xmlns="" id="{559B3910-A6C5-A442-E1FF-E18DC9BDDFDC}"/>
               </a:ext>
             </a:extLst>
           </p:cNvPr>
@@ -2078,7 +2078,7 @@
           <a:p>
             <a:fld id="{779C213A-4D8A-4741-98F3-5550D0BF8855}" type="datetimeFigureOut">
               <a:rPr lang="fr-FR" smtClean="0"/>
-              <a:t>09/06/2024</a:t>
+              <a:t>09/03/2025</a:t>
             </a:fld>
             <a:endParaRPr lang="fr-FR"/>
           </a:p>
@@ -2089,7 +2089,7 @@
           <p:cNvPr id="3" name="Espace réservé du pied de page 2">
             <a:extLst>
               <a:ext uri="{FF2B5EF4-FFF2-40B4-BE49-F238E27FC236}">
-                <a16:creationId xmlns:a16="http://schemas.microsoft.com/office/drawing/2014/main" id="{341BFCA4-9521-2BD6-C133-C328DFAAFF25}"/>
+                <a16:creationId xmlns:a16="http://schemas.microsoft.com/office/drawing/2014/main" xmlns="" id="{341BFCA4-9521-2BD6-C133-C328DFAAFF25}"/>
               </a:ext>
             </a:extLst>
           </p:cNvPr>
@@ -2114,7 +2114,7 @@
           <p:cNvPr id="4" name="Espace réservé du numéro de diapositive 3">
             <a:extLst>
               <a:ext uri="{FF2B5EF4-FFF2-40B4-BE49-F238E27FC236}">
-                <a16:creationId xmlns:a16="http://schemas.microsoft.com/office/drawing/2014/main" id="{717EE756-464E-F997-21E5-BB92595D2017}"/>
+                <a16:creationId xmlns:a16="http://schemas.microsoft.com/office/drawing/2014/main" xmlns="" id="{717EE756-464E-F997-21E5-BB92595D2017}"/>
               </a:ext>
             </a:extLst>
           </p:cNvPr>
@@ -2173,7 +2173,7 @@
           <p:cNvPr id="2" name="Titre 1">
             <a:extLst>
               <a:ext uri="{FF2B5EF4-FFF2-40B4-BE49-F238E27FC236}">
-                <a16:creationId xmlns:a16="http://schemas.microsoft.com/office/drawing/2014/main" id="{C0D131B5-08E3-E2DE-8E53-321FA4F6C947}"/>
+                <a16:creationId xmlns:a16="http://schemas.microsoft.com/office/drawing/2014/main" xmlns="" id="{C0D131B5-08E3-E2DE-8E53-321FA4F6C947}"/>
               </a:ext>
             </a:extLst>
           </p:cNvPr>
@@ -2210,7 +2210,7 @@
           <p:cNvPr id="3" name="Espace réservé du contenu 2">
             <a:extLst>
               <a:ext uri="{FF2B5EF4-FFF2-40B4-BE49-F238E27FC236}">
-                <a16:creationId xmlns:a16="http://schemas.microsoft.com/office/drawing/2014/main" id="{B22314E1-CFAB-6968-ED62-03D0D3D77D24}"/>
+                <a16:creationId xmlns:a16="http://schemas.microsoft.com/office/drawing/2014/main" xmlns="" id="{B22314E1-CFAB-6968-ED62-03D0D3D77D24}"/>
               </a:ext>
             </a:extLst>
           </p:cNvPr>
@@ -2300,7 +2300,7 @@
           <p:cNvPr id="4" name="Espace réservé du texte 3">
             <a:extLst>
               <a:ext uri="{FF2B5EF4-FFF2-40B4-BE49-F238E27FC236}">
-                <a16:creationId xmlns:a16="http://schemas.microsoft.com/office/drawing/2014/main" id="{61D1232E-4442-025D-CB73-2FFCD95ABA34}"/>
+                <a16:creationId xmlns:a16="http://schemas.microsoft.com/office/drawing/2014/main" xmlns="" id="{61D1232E-4442-025D-CB73-2FFCD95ABA34}"/>
               </a:ext>
             </a:extLst>
           </p:cNvPr>
@@ -2371,7 +2371,7 @@
           <p:cNvPr id="5" name="Espace réservé de la date 4">
             <a:extLst>
               <a:ext uri="{FF2B5EF4-FFF2-40B4-BE49-F238E27FC236}">
-                <a16:creationId xmlns:a16="http://schemas.microsoft.com/office/drawing/2014/main" id="{1806A448-3F5D-9EB6-CB09-379767D38830}"/>
+                <a16:creationId xmlns:a16="http://schemas.microsoft.com/office/drawing/2014/main" xmlns="" id="{1806A448-3F5D-9EB6-CB09-379767D38830}"/>
               </a:ext>
             </a:extLst>
           </p:cNvPr>
@@ -2389,7 +2389,7 @@
           <a:p>
             <a:fld id="{779C213A-4D8A-4741-98F3-5550D0BF8855}" type="datetimeFigureOut">
               <a:rPr lang="fr-FR" smtClean="0"/>
-              <a:t>09/06/2024</a:t>
+              <a:t>09/03/2025</a:t>
             </a:fld>
             <a:endParaRPr lang="fr-FR"/>
           </a:p>
@@ -2400,7 +2400,7 @@
           <p:cNvPr id="6" name="Espace réservé du pied de page 5">
             <a:extLst>
               <a:ext uri="{FF2B5EF4-FFF2-40B4-BE49-F238E27FC236}">
-                <a16:creationId xmlns:a16="http://schemas.microsoft.com/office/drawing/2014/main" id="{64FDFAFB-7A67-E688-8043-D344CA3C8362}"/>
+                <a16:creationId xmlns:a16="http://schemas.microsoft.com/office/drawing/2014/main" xmlns="" id="{64FDFAFB-7A67-E688-8043-D344CA3C8362}"/>
               </a:ext>
             </a:extLst>
           </p:cNvPr>
@@ -2425,7 +2425,7 @@
           <p:cNvPr id="7" name="Espace réservé du numéro de diapositive 6">
             <a:extLst>
               <a:ext uri="{FF2B5EF4-FFF2-40B4-BE49-F238E27FC236}">
-                <a16:creationId xmlns:a16="http://schemas.microsoft.com/office/drawing/2014/main" id="{0A8022CC-30BB-4E0D-F839-2D8A5CF9EB2F}"/>
+                <a16:creationId xmlns:a16="http://schemas.microsoft.com/office/drawing/2014/main" xmlns="" id="{0A8022CC-30BB-4E0D-F839-2D8A5CF9EB2F}"/>
               </a:ext>
             </a:extLst>
           </p:cNvPr>
@@ -2484,7 +2484,7 @@
           <p:cNvPr id="2" name="Titre 1">
             <a:extLst>
               <a:ext uri="{FF2B5EF4-FFF2-40B4-BE49-F238E27FC236}">
-                <a16:creationId xmlns:a16="http://schemas.microsoft.com/office/drawing/2014/main" id="{DC003DFB-6983-0770-8678-2EEFE4FE17D5}"/>
+                <a16:creationId xmlns:a16="http://schemas.microsoft.com/office/drawing/2014/main" xmlns="" id="{DC003DFB-6983-0770-8678-2EEFE4FE17D5}"/>
               </a:ext>
             </a:extLst>
           </p:cNvPr>
@@ -2521,7 +2521,7 @@
           <p:cNvPr id="3" name="Espace réservé pour une image  2">
             <a:extLst>
               <a:ext uri="{FF2B5EF4-FFF2-40B4-BE49-F238E27FC236}">
-                <a16:creationId xmlns:a16="http://schemas.microsoft.com/office/drawing/2014/main" id="{782E8308-EF7D-8BFB-6949-E86485515FCD}"/>
+                <a16:creationId xmlns:a16="http://schemas.microsoft.com/office/drawing/2014/main" xmlns="" id="{782E8308-EF7D-8BFB-6949-E86485515FCD}"/>
               </a:ext>
             </a:extLst>
           </p:cNvPr>
@@ -2588,7 +2588,7 @@
           <p:cNvPr id="4" name="Espace réservé du texte 3">
             <a:extLst>
               <a:ext uri="{FF2B5EF4-FFF2-40B4-BE49-F238E27FC236}">
-                <a16:creationId xmlns:a16="http://schemas.microsoft.com/office/drawing/2014/main" id="{2FC7EB62-3A94-17B5-1258-AE53A7FDE5F5}"/>
+                <a16:creationId xmlns:a16="http://schemas.microsoft.com/office/drawing/2014/main" xmlns="" id="{2FC7EB62-3A94-17B5-1258-AE53A7FDE5F5}"/>
               </a:ext>
             </a:extLst>
           </p:cNvPr>
@@ -2659,7 +2659,7 @@
           <p:cNvPr id="5" name="Espace réservé de la date 4">
             <a:extLst>
               <a:ext uri="{FF2B5EF4-FFF2-40B4-BE49-F238E27FC236}">
-                <a16:creationId xmlns:a16="http://schemas.microsoft.com/office/drawing/2014/main" id="{205A5E0A-EB2A-9ACF-F4D5-ADC69D4D5C9E}"/>
+                <a16:creationId xmlns:a16="http://schemas.microsoft.com/office/drawing/2014/main" xmlns="" id="{205A5E0A-EB2A-9ACF-F4D5-ADC69D4D5C9E}"/>
               </a:ext>
             </a:extLst>
           </p:cNvPr>
@@ -2677,7 +2677,7 @@
           <a:p>
             <a:fld id="{779C213A-4D8A-4741-98F3-5550D0BF8855}" type="datetimeFigureOut">
               <a:rPr lang="fr-FR" smtClean="0"/>
-              <a:t>09/06/2024</a:t>
+              <a:t>09/03/2025</a:t>
             </a:fld>
             <a:endParaRPr lang="fr-FR"/>
           </a:p>
@@ -2688,7 +2688,7 @@
           <p:cNvPr id="6" name="Espace réservé du pied de page 5">
             <a:extLst>
               <a:ext uri="{FF2B5EF4-FFF2-40B4-BE49-F238E27FC236}">
-                <a16:creationId xmlns:a16="http://schemas.microsoft.com/office/drawing/2014/main" id="{ED011C18-4738-68BC-6BA2-5FEC401CC362}"/>
+                <a16:creationId xmlns:a16="http://schemas.microsoft.com/office/drawing/2014/main" xmlns="" id="{ED011C18-4738-68BC-6BA2-5FEC401CC362}"/>
               </a:ext>
             </a:extLst>
           </p:cNvPr>
@@ -2713,7 +2713,7 @@
           <p:cNvPr id="7" name="Espace réservé du numéro de diapositive 6">
             <a:extLst>
               <a:ext uri="{FF2B5EF4-FFF2-40B4-BE49-F238E27FC236}">
-                <a16:creationId xmlns:a16="http://schemas.microsoft.com/office/drawing/2014/main" id="{D5A53CDC-8173-EC08-1C82-CF7CC8DCB78F}"/>
+                <a16:creationId xmlns:a16="http://schemas.microsoft.com/office/drawing/2014/main" xmlns="" id="{D5A53CDC-8173-EC08-1C82-CF7CC8DCB78F}"/>
               </a:ext>
             </a:extLst>
           </p:cNvPr>
@@ -2777,7 +2777,7 @@
           <p:cNvPr id="2" name="Espace réservé du titre 1">
             <a:extLst>
               <a:ext uri="{FF2B5EF4-FFF2-40B4-BE49-F238E27FC236}">
-                <a16:creationId xmlns:a16="http://schemas.microsoft.com/office/drawing/2014/main" id="{274AF4BE-9B39-8255-CD99-E4E6275CB9FB}"/>
+                <a16:creationId xmlns:a16="http://schemas.microsoft.com/office/drawing/2014/main" xmlns="" id="{274AF4BE-9B39-8255-CD99-E4E6275CB9FB}"/>
               </a:ext>
             </a:extLst>
           </p:cNvPr>
@@ -2815,7 +2815,7 @@
           <p:cNvPr id="3" name="Espace réservé du texte 2">
             <a:extLst>
               <a:ext uri="{FF2B5EF4-FFF2-40B4-BE49-F238E27FC236}">
-                <a16:creationId xmlns:a16="http://schemas.microsoft.com/office/drawing/2014/main" id="{94533A52-B65E-0F72-8720-C3D5715B229E}"/>
+                <a16:creationId xmlns:a16="http://schemas.microsoft.com/office/drawing/2014/main" xmlns="" id="{94533A52-B65E-0F72-8720-C3D5715B229E}"/>
               </a:ext>
             </a:extLst>
           </p:cNvPr>
@@ -2882,7 +2882,7 @@
           <p:cNvPr id="4" name="Espace réservé de la date 3">
             <a:extLst>
               <a:ext uri="{FF2B5EF4-FFF2-40B4-BE49-F238E27FC236}">
-                <a16:creationId xmlns:a16="http://schemas.microsoft.com/office/drawing/2014/main" id="{82D1A44E-1D86-04AD-7DD5-66D1EB5C82C5}"/>
+                <a16:creationId xmlns:a16="http://schemas.microsoft.com/office/drawing/2014/main" xmlns="" id="{82D1A44E-1D86-04AD-7DD5-66D1EB5C82C5}"/>
               </a:ext>
             </a:extLst>
           </p:cNvPr>
@@ -2918,7 +2918,7 @@
           <a:p>
             <a:fld id="{779C213A-4D8A-4741-98F3-5550D0BF8855}" type="datetimeFigureOut">
               <a:rPr lang="fr-FR" smtClean="0"/>
-              <a:t>09/06/2024</a:t>
+              <a:t>09/03/2025</a:t>
             </a:fld>
             <a:endParaRPr lang="fr-FR"/>
           </a:p>
@@ -2929,7 +2929,7 @@
           <p:cNvPr id="5" name="Espace réservé du pied de page 4">
             <a:extLst>
               <a:ext uri="{FF2B5EF4-FFF2-40B4-BE49-F238E27FC236}">
-                <a16:creationId xmlns:a16="http://schemas.microsoft.com/office/drawing/2014/main" id="{E435BDE8-6C8E-3E35-F1BE-6E57112E1E4D}"/>
+                <a16:creationId xmlns:a16="http://schemas.microsoft.com/office/drawing/2014/main" xmlns="" id="{E435BDE8-6C8E-3E35-F1BE-6E57112E1E4D}"/>
               </a:ext>
             </a:extLst>
           </p:cNvPr>
@@ -2972,7 +2972,7 @@
           <p:cNvPr id="6" name="Espace réservé du numéro de diapositive 5">
             <a:extLst>
               <a:ext uri="{FF2B5EF4-FFF2-40B4-BE49-F238E27FC236}">
-                <a16:creationId xmlns:a16="http://schemas.microsoft.com/office/drawing/2014/main" id="{1E9B70C5-8BC9-C076-258F-CD61E2EE6281}"/>
+                <a16:creationId xmlns:a16="http://schemas.microsoft.com/office/drawing/2014/main" xmlns="" id="{1E9B70C5-8BC9-C076-258F-CD61E2EE6281}"/>
               </a:ext>
             </a:extLst>
           </p:cNvPr>
@@ -3340,7 +3340,7 @@
           <p:cNvPr id="2" name="Titre 1">
             <a:extLst>
               <a:ext uri="{FF2B5EF4-FFF2-40B4-BE49-F238E27FC236}">
-                <a16:creationId xmlns:a16="http://schemas.microsoft.com/office/drawing/2014/main" id="{CB68EE3D-7E76-7F3E-99FD-96DEB895A9A8}"/>
+                <a16:creationId xmlns:a16="http://schemas.microsoft.com/office/drawing/2014/main" xmlns="" id="{CB68EE3D-7E76-7F3E-99FD-96DEB895A9A8}"/>
               </a:ext>
             </a:extLst>
           </p:cNvPr>
@@ -3388,7 +3388,7 @@
           <p:cNvPr id="3" name="Sous-titre 2">
             <a:extLst>
               <a:ext uri="{FF2B5EF4-FFF2-40B4-BE49-F238E27FC236}">
-                <a16:creationId xmlns:a16="http://schemas.microsoft.com/office/drawing/2014/main" id="{F251D4C3-63E4-1B12-46DB-DB75A3B95D78}"/>
+                <a16:creationId xmlns:a16="http://schemas.microsoft.com/office/drawing/2014/main" xmlns="" id="{F251D4C3-63E4-1B12-46DB-DB75A3B95D78}"/>
               </a:ext>
             </a:extLst>
           </p:cNvPr>
@@ -3418,6 +3418,13 @@
   <p:clrMapOvr>
     <a:masterClrMapping/>
   </p:clrMapOvr>
+  <p:timing>
+    <p:tnLst>
+      <p:par>
+        <p:cTn id="1" dur="indefinite" restart="never" nodeType="tmRoot"/>
+      </p:par>
+    </p:tnLst>
+  </p:timing>
 </p:sld>
 </file>
 
@@ -3443,7 +3450,7 @@
           <p:cNvPr id="3" name="ZoneTexte 2">
             <a:extLst>
               <a:ext uri="{FF2B5EF4-FFF2-40B4-BE49-F238E27FC236}">
-                <a16:creationId xmlns:a16="http://schemas.microsoft.com/office/drawing/2014/main" id="{134FFFE2-52DA-0BE9-4CAC-FE673AEB0BCE}"/>
+                <a16:creationId xmlns:a16="http://schemas.microsoft.com/office/drawing/2014/main" xmlns="" id="{134FFFE2-52DA-0BE9-4CAC-FE673AEB0BCE}"/>
               </a:ext>
             </a:extLst>
           </p:cNvPr>
@@ -3771,6 +3778,13 @@
   <p:clrMapOvr>
     <a:masterClrMapping/>
   </p:clrMapOvr>
+  <p:timing>
+    <p:tnLst>
+      <p:par>
+        <p:cTn id="1" dur="indefinite" restart="never" nodeType="tmRoot"/>
+      </p:par>
+    </p:tnLst>
+  </p:timing>
 </p:sld>
 </file>
 
@@ -3796,7 +3810,7 @@
           <p:cNvPr id="5" name="ZoneTexte 4">
             <a:extLst>
               <a:ext uri="{FF2B5EF4-FFF2-40B4-BE49-F238E27FC236}">
-                <a16:creationId xmlns:a16="http://schemas.microsoft.com/office/drawing/2014/main" id="{F92C6656-87EC-9CAC-862A-B4BE867A4F8E}"/>
+                <a16:creationId xmlns:a16="http://schemas.microsoft.com/office/drawing/2014/main" xmlns="" id="{F92C6656-87EC-9CAC-862A-B4BE867A4F8E}"/>
               </a:ext>
             </a:extLst>
           </p:cNvPr>
@@ -3916,6 +3930,13 @@
   <p:clrMapOvr>
     <a:masterClrMapping/>
   </p:clrMapOvr>
+  <p:timing>
+    <p:tnLst>
+      <p:par>
+        <p:cTn id="1" dur="indefinite" restart="never" nodeType="tmRoot"/>
+      </p:par>
+    </p:tnLst>
+  </p:timing>
 </p:sld>
 </file>
 
@@ -3941,7 +3962,7 @@
           <p:cNvPr id="3" name="ZoneTexte 2">
             <a:extLst>
               <a:ext uri="{FF2B5EF4-FFF2-40B4-BE49-F238E27FC236}">
-                <a16:creationId xmlns:a16="http://schemas.microsoft.com/office/drawing/2014/main" id="{4CEE8464-5DBF-1913-AC62-CE339E82D11D}"/>
+                <a16:creationId xmlns:a16="http://schemas.microsoft.com/office/drawing/2014/main" xmlns="" id="{4CEE8464-5DBF-1913-AC62-CE339E82D11D}"/>
               </a:ext>
             </a:extLst>
           </p:cNvPr>
@@ -4039,6 +4060,13 @@
   <p:clrMapOvr>
     <a:masterClrMapping/>
   </p:clrMapOvr>
+  <p:timing>
+    <p:tnLst>
+      <p:par>
+        <p:cTn id="1" dur="indefinite" restart="never" nodeType="tmRoot"/>
+      </p:par>
+    </p:tnLst>
+  </p:timing>
 </p:sld>
 </file>
 
@@ -4064,7 +4092,7 @@
           <p:cNvPr id="3" name="ZoneTexte 2">
             <a:extLst>
               <a:ext uri="{FF2B5EF4-FFF2-40B4-BE49-F238E27FC236}">
-                <a16:creationId xmlns:a16="http://schemas.microsoft.com/office/drawing/2014/main" id="{134FFFE2-52DA-0BE9-4CAC-FE673AEB0BCE}"/>
+                <a16:creationId xmlns:a16="http://schemas.microsoft.com/office/drawing/2014/main" xmlns="" id="{134FFFE2-52DA-0BE9-4CAC-FE673AEB0BCE}"/>
               </a:ext>
             </a:extLst>
           </p:cNvPr>
@@ -4392,6 +4420,13 @@
   <p:clrMapOvr>
     <a:masterClrMapping/>
   </p:clrMapOvr>
+  <p:timing>
+    <p:tnLst>
+      <p:par>
+        <p:cTn id="1" dur="indefinite" restart="never" nodeType="tmRoot"/>
+      </p:par>
+    </p:tnLst>
+  </p:timing>
 </p:sld>
 </file>
 
@@ -4417,7 +4452,7 @@
           <p:cNvPr id="3" name="ZoneTexte 2">
             <a:extLst>
               <a:ext uri="{FF2B5EF4-FFF2-40B4-BE49-F238E27FC236}">
-                <a16:creationId xmlns:a16="http://schemas.microsoft.com/office/drawing/2014/main" id="{C794B7FF-33E7-940E-1144-B062A2C2E46F}"/>
+                <a16:creationId xmlns:a16="http://schemas.microsoft.com/office/drawing/2014/main" xmlns="" id="{C794B7FF-33E7-940E-1144-B062A2C2E46F}"/>
               </a:ext>
             </a:extLst>
           </p:cNvPr>
@@ -4745,6 +4780,13 @@
   <p:clrMapOvr>
     <a:masterClrMapping/>
   </p:clrMapOvr>
+  <p:timing>
+    <p:tnLst>
+      <p:par>
+        <p:cTn id="1" dur="indefinite" restart="never" nodeType="tmRoot"/>
+      </p:par>
+    </p:tnLst>
+  </p:timing>
 </p:sld>
 </file>
 
@@ -4770,7 +4812,7 @@
           <p:cNvPr id="3" name="ZoneTexte 2">
             <a:extLst>
               <a:ext uri="{FF2B5EF4-FFF2-40B4-BE49-F238E27FC236}">
-                <a16:creationId xmlns:a16="http://schemas.microsoft.com/office/drawing/2014/main" id="{0165C493-521A-690D-1DAB-87D253315406}"/>
+                <a16:creationId xmlns:a16="http://schemas.microsoft.com/office/drawing/2014/main" xmlns="" id="{0165C493-521A-690D-1DAB-87D253315406}"/>
               </a:ext>
             </a:extLst>
           </p:cNvPr>
@@ -4795,19 +4837,43 @@
           <a:p>
             <a:pPr algn="ctr"/>
             <a:r>
-              <a:rPr lang="fr-FR" sz="9600" b="1" dirty="0" err="1">
-                <a:effectLst>
-                  <a:outerShdw blurRad="38100" dist="38100" dir="2700000" algn="tl">
-                    <a:srgbClr val="000000">
-                      <a:alpha val="43137"/>
-                    </a:srgbClr>
-                  </a:outerShdw>
-                </a:effectLst>
-              </a:rPr>
-              <a:t>Makato</a:t>
-            </a:r>
-            <a:r>
-              <a:rPr lang="fr-FR" sz="9600" b="1" dirty="0">
+              <a:rPr lang="fr-FR" sz="9600" b="1" dirty="0" smtClean="0">
+                <a:effectLst>
+                  <a:outerShdw blurRad="38100" dist="38100" dir="2700000" algn="tl">
+                    <a:srgbClr val="000000">
+                      <a:alpha val="43137"/>
+                    </a:srgbClr>
+                  </a:outerShdw>
+                </a:effectLst>
+              </a:rPr>
+              <a:t>Ka </a:t>
+            </a:r>
+            <a:r>
+              <a:rPr lang="fr-FR" sz="9600" b="1" dirty="0" err="1" smtClean="0">
+                <a:effectLst>
+                  <a:outerShdw blurRad="38100" dist="38100" dir="2700000" algn="tl">
+                    <a:srgbClr val="000000">
+                      <a:alpha val="43137"/>
+                    </a:srgbClr>
+                  </a:outerShdw>
+                </a:effectLst>
+              </a:rPr>
+              <a:t>m</a:t>
+            </a:r>
+            <a:r>
+              <a:rPr lang="fr-FR" sz="9600" b="1" dirty="0" err="1" smtClean="0">
+                <a:effectLst>
+                  <a:outerShdw blurRad="38100" dist="38100" dir="2700000" algn="tl">
+                    <a:srgbClr val="000000">
+                      <a:alpha val="43137"/>
+                    </a:srgbClr>
+                  </a:outerShdw>
+                </a:effectLst>
+              </a:rPr>
+              <a:t>andalo</a:t>
+            </a:r>
+            <a:r>
+              <a:rPr lang="fr-FR" sz="9600" b="1" dirty="0" smtClean="0">
                 <a:effectLst>
                   <a:outerShdw blurRad="38100" dist="38100" dir="2700000" algn="tl">
                     <a:srgbClr val="000000">
@@ -4984,6 +5050,13 @@
   <p:clrMapOvr>
     <a:masterClrMapping/>
   </p:clrMapOvr>
+  <p:timing>
+    <p:tnLst>
+      <p:par>
+        <p:cTn id="1" dur="indefinite" restart="never" nodeType="tmRoot"/>
+      </p:par>
+    </p:tnLst>
+  </p:timing>
 </p:sld>
 </file>
 
@@ -5009,7 +5082,7 @@
           <p:cNvPr id="3" name="ZoneTexte 2">
             <a:extLst>
               <a:ext uri="{FF2B5EF4-FFF2-40B4-BE49-F238E27FC236}">
-                <a16:creationId xmlns:a16="http://schemas.microsoft.com/office/drawing/2014/main" id="{134FFFE2-52DA-0BE9-4CAC-FE673AEB0BCE}"/>
+                <a16:creationId xmlns:a16="http://schemas.microsoft.com/office/drawing/2014/main" xmlns="" id="{134FFFE2-52DA-0BE9-4CAC-FE673AEB0BCE}"/>
               </a:ext>
             </a:extLst>
           </p:cNvPr>
@@ -5337,6 +5410,13 @@
   <p:clrMapOvr>
     <a:masterClrMapping/>
   </p:clrMapOvr>
+  <p:timing>
+    <p:tnLst>
+      <p:par>
+        <p:cTn id="1" dur="indefinite" restart="never" nodeType="tmRoot"/>
+      </p:par>
+    </p:tnLst>
+  </p:timing>
 </p:sld>
 </file>
 
@@ -5362,7 +5442,7 @@
           <p:cNvPr id="3" name="ZoneTexte 2">
             <a:extLst>
               <a:ext uri="{FF2B5EF4-FFF2-40B4-BE49-F238E27FC236}">
-                <a16:creationId xmlns:a16="http://schemas.microsoft.com/office/drawing/2014/main" id="{199BACCB-980D-09E9-F0DA-0EA7D5CB3D56}"/>
+                <a16:creationId xmlns:a16="http://schemas.microsoft.com/office/drawing/2014/main" xmlns="" id="{199BACCB-980D-09E9-F0DA-0EA7D5CB3D56}"/>
               </a:ext>
             </a:extLst>
           </p:cNvPr>
@@ -5663,6 +5743,13 @@
   <p:clrMapOvr>
     <a:masterClrMapping/>
   </p:clrMapOvr>
+  <p:timing>
+    <p:tnLst>
+      <p:par>
+        <p:cTn id="1" dur="indefinite" restart="never" nodeType="tmRoot"/>
+      </p:par>
+    </p:tnLst>
+  </p:timing>
 </p:sld>
 </file>
 
@@ -5688,7 +5775,7 @@
           <p:cNvPr id="3" name="ZoneTexte 2">
             <a:extLst>
               <a:ext uri="{FF2B5EF4-FFF2-40B4-BE49-F238E27FC236}">
-                <a16:creationId xmlns:a16="http://schemas.microsoft.com/office/drawing/2014/main" id="{F3E9E8AB-8D4F-4823-7288-E8697284F410}"/>
+                <a16:creationId xmlns:a16="http://schemas.microsoft.com/office/drawing/2014/main" xmlns="" id="{F3E9E8AB-8D4F-4823-7288-E8697284F410}"/>
               </a:ext>
             </a:extLst>
           </p:cNvPr>
@@ -5921,6 +6008,13 @@
   <p:clrMapOvr>
     <a:masterClrMapping/>
   </p:clrMapOvr>
+  <p:timing>
+    <p:tnLst>
+      <p:par>
+        <p:cTn id="1" dur="indefinite" restart="never" nodeType="tmRoot"/>
+      </p:par>
+    </p:tnLst>
+  </p:timing>
 </p:sld>
 </file>
 

--- a/Hira samihafa/Amorony fo madio aho!.pptx
+++ b/Hira samihafa/Amorony fo madio aho!.pptx
@@ -268,7 +268,7 @@
           <a:p>
             <a:fld id="{779C213A-4D8A-4741-98F3-5550D0BF8855}" type="datetimeFigureOut">
               <a:rPr lang="fr-FR" smtClean="0"/>
-              <a:t>09/03/2025</a:t>
+              <a:t>09/11/2025</a:t>
             </a:fld>
             <a:endParaRPr lang="fr-FR"/>
           </a:p>
@@ -466,7 +466,7 @@
           <a:p>
             <a:fld id="{779C213A-4D8A-4741-98F3-5550D0BF8855}" type="datetimeFigureOut">
               <a:rPr lang="fr-FR" smtClean="0"/>
-              <a:t>09/03/2025</a:t>
+              <a:t>09/11/2025</a:t>
             </a:fld>
             <a:endParaRPr lang="fr-FR"/>
           </a:p>
@@ -674,7 +674,7 @@
           <a:p>
             <a:fld id="{779C213A-4D8A-4741-98F3-5550D0BF8855}" type="datetimeFigureOut">
               <a:rPr lang="fr-FR" smtClean="0"/>
-              <a:t>09/03/2025</a:t>
+              <a:t>09/11/2025</a:t>
             </a:fld>
             <a:endParaRPr lang="fr-FR"/>
           </a:p>
@@ -872,7 +872,7 @@
           <a:p>
             <a:fld id="{779C213A-4D8A-4741-98F3-5550D0BF8855}" type="datetimeFigureOut">
               <a:rPr lang="fr-FR" smtClean="0"/>
-              <a:t>09/03/2025</a:t>
+              <a:t>09/11/2025</a:t>
             </a:fld>
             <a:endParaRPr lang="fr-FR"/>
           </a:p>
@@ -1147,7 +1147,7 @@
           <a:p>
             <a:fld id="{779C213A-4D8A-4741-98F3-5550D0BF8855}" type="datetimeFigureOut">
               <a:rPr lang="fr-FR" smtClean="0"/>
-              <a:t>09/03/2025</a:t>
+              <a:t>09/11/2025</a:t>
             </a:fld>
             <a:endParaRPr lang="fr-FR"/>
           </a:p>
@@ -1412,7 +1412,7 @@
           <a:p>
             <a:fld id="{779C213A-4D8A-4741-98F3-5550D0BF8855}" type="datetimeFigureOut">
               <a:rPr lang="fr-FR" smtClean="0"/>
-              <a:t>09/03/2025</a:t>
+              <a:t>09/11/2025</a:t>
             </a:fld>
             <a:endParaRPr lang="fr-FR"/>
           </a:p>
@@ -1824,7 +1824,7 @@
           <a:p>
             <a:fld id="{779C213A-4D8A-4741-98F3-5550D0BF8855}" type="datetimeFigureOut">
               <a:rPr lang="fr-FR" smtClean="0"/>
-              <a:t>09/03/2025</a:t>
+              <a:t>09/11/2025</a:t>
             </a:fld>
             <a:endParaRPr lang="fr-FR"/>
           </a:p>
@@ -1965,7 +1965,7 @@
           <a:p>
             <a:fld id="{779C213A-4D8A-4741-98F3-5550D0BF8855}" type="datetimeFigureOut">
               <a:rPr lang="fr-FR" smtClean="0"/>
-              <a:t>09/03/2025</a:t>
+              <a:t>09/11/2025</a:t>
             </a:fld>
             <a:endParaRPr lang="fr-FR"/>
           </a:p>
@@ -2078,7 +2078,7 @@
           <a:p>
             <a:fld id="{779C213A-4D8A-4741-98F3-5550D0BF8855}" type="datetimeFigureOut">
               <a:rPr lang="fr-FR" smtClean="0"/>
-              <a:t>09/03/2025</a:t>
+              <a:t>09/11/2025</a:t>
             </a:fld>
             <a:endParaRPr lang="fr-FR"/>
           </a:p>
@@ -2389,7 +2389,7 @@
           <a:p>
             <a:fld id="{779C213A-4D8A-4741-98F3-5550D0BF8855}" type="datetimeFigureOut">
               <a:rPr lang="fr-FR" smtClean="0"/>
-              <a:t>09/03/2025</a:t>
+              <a:t>09/11/2025</a:t>
             </a:fld>
             <a:endParaRPr lang="fr-FR"/>
           </a:p>
@@ -2677,7 +2677,7 @@
           <a:p>
             <a:fld id="{779C213A-4D8A-4741-98F3-5550D0BF8855}" type="datetimeFigureOut">
               <a:rPr lang="fr-FR" smtClean="0"/>
-              <a:t>09/03/2025</a:t>
+              <a:t>09/11/2025</a:t>
             </a:fld>
             <a:endParaRPr lang="fr-FR"/>
           </a:p>
@@ -2918,7 +2918,7 @@
           <a:p>
             <a:fld id="{779C213A-4D8A-4741-98F3-5550D0BF8855}" type="datetimeFigureOut">
               <a:rPr lang="fr-FR" smtClean="0"/>
-              <a:t>09/03/2025</a:t>
+              <a:t>09/11/2025</a:t>
             </a:fld>
             <a:endParaRPr lang="fr-FR"/>
           </a:p>
@@ -3987,12 +3987,20 @@
           <a:p>
             <a:pPr algn="ctr"/>
             <a:r>
-              <a:rPr lang="fr-FR" sz="9600" b="1" dirty="0"/>
-              <a:t>Ary </a:t>
+              <a:rPr lang="fr-FR" sz="9600" b="1" dirty="0" smtClean="0"/>
+              <a:t>Ka </a:t>
+            </a:r>
+            <a:r>
+              <a:rPr lang="fr-FR" sz="9600" b="1" dirty="0" err="1" smtClean="0"/>
+              <a:t>izao</a:t>
+            </a:r>
+            <a:r>
+              <a:rPr lang="fr-FR" sz="9600" b="1" dirty="0" smtClean="0"/>
+              <a:t> </a:t>
             </a:r>
             <a:r>
               <a:rPr lang="fr-FR" sz="9600" b="1" dirty="0" err="1"/>
-              <a:t>izao</a:t>
+              <a:t>valaky</a:t>
             </a:r>
             <a:r>
               <a:rPr lang="fr-FR" sz="9600" b="1" dirty="0"/>
@@ -4000,7 +4008,7 @@
             </a:r>
             <a:r>
               <a:rPr lang="fr-FR" sz="9600" b="1" dirty="0" err="1"/>
-              <a:t>valaky</a:t>
+              <a:t>ny</a:t>
             </a:r>
             <a:r>
               <a:rPr lang="fr-FR" sz="9600" b="1" dirty="0"/>
@@ -4008,30 +4016,26 @@
             </a:r>
             <a:r>
               <a:rPr lang="fr-FR" sz="9600" b="1" dirty="0" err="1"/>
-              <a:t>ny</a:t>
+              <a:t>rendrarendrany</a:t>
+            </a:r>
+            <a:endParaRPr lang="fr-FR" sz="9600" b="1" dirty="0"/>
+          </a:p>
+          <a:p>
+            <a:pPr algn="ctr"/>
+            <a:r>
+              <a:rPr lang="fr-FR" sz="9600" b="1" dirty="0" err="1"/>
+              <a:t>Sy</a:t>
             </a:r>
             <a:r>
               <a:rPr lang="fr-FR" sz="9600" b="1" dirty="0"/>
               <a:t> </a:t>
             </a:r>
             <a:r>
-              <a:rPr lang="fr-FR" sz="9600" b="1" dirty="0" err="1"/>
-              <a:t>rendrarendrany</a:t>
-            </a:r>
-            <a:endParaRPr lang="fr-FR" sz="9600" b="1" dirty="0"/>
-          </a:p>
-          <a:p>
-            <a:pPr algn="ctr"/>
-            <a:r>
-              <a:rPr lang="fr-FR" sz="9600" b="1" dirty="0"/>
-              <a:t>Sy </a:t>
-            </a:r>
-            <a:r>
-              <a:rPr lang="fr-FR" sz="9600" b="1" dirty="0" err="1"/>
-              <a:t>totraky</a:t>
-            </a:r>
-            <a:r>
-              <a:rPr lang="fr-FR" sz="9600" b="1" dirty="0"/>
+              <a:rPr lang="fr-FR" sz="9600" b="1" dirty="0" err="1" smtClean="0"/>
+              <a:t>trotraky</a:t>
+            </a:r>
+            <a:r>
+              <a:rPr lang="fr-FR" sz="9600" b="1" dirty="0" smtClean="0"/>
               <a:t> </a:t>
             </a:r>
             <a:r>
@@ -4558,7 +4562,7 @@
                   </a:outerShdw>
                 </a:effectLst>
               </a:rPr>
-              <a:t> lasa </a:t>
+              <a:t> </a:t>
             </a:r>
             <a:r>
               <a:rPr lang="fr-FR" sz="9600" b="1" dirty="0" err="1">
@@ -4570,10 +4574,46 @@
                   </a:outerShdw>
                 </a:effectLst>
               </a:rPr>
+              <a:t>lasa</a:t>
+            </a:r>
+            <a:r>
+              <a:rPr lang="fr-FR" sz="9600" b="1" dirty="0">
+                <a:effectLst>
+                  <a:outerShdw blurRad="38100" dist="38100" dir="2700000" algn="tl">
+                    <a:srgbClr val="000000">
+                      <a:alpha val="43137"/>
+                    </a:srgbClr>
+                  </a:outerShdw>
+                </a:effectLst>
+              </a:rPr>
+              <a:t> </a:t>
+            </a:r>
+            <a:endParaRPr lang="fr-FR" sz="9600" b="1" dirty="0" smtClean="0">
+              <a:effectLst>
+                <a:outerShdw blurRad="38100" dist="38100" dir="2700000" algn="tl">
+                  <a:srgbClr val="000000">
+                    <a:alpha val="43137"/>
+                  </a:srgbClr>
+                </a:outerShdw>
+              </a:effectLst>
+            </a:endParaRPr>
+          </a:p>
+          <a:p>
+            <a:pPr algn="ctr"/>
+            <a:r>
+              <a:rPr lang="fr-FR" sz="9600" b="1" dirty="0" err="1" smtClean="0">
+                <a:effectLst>
+                  <a:outerShdw blurRad="38100" dist="38100" dir="2700000" algn="tl">
+                    <a:srgbClr val="000000">
+                      <a:alpha val="43137"/>
+                    </a:srgbClr>
+                  </a:outerShdw>
+                </a:effectLst>
+              </a:rPr>
               <a:t>tsy</a:t>
             </a:r>
             <a:r>
-              <a:rPr lang="fr-FR" sz="9600" b="1" dirty="0">
+              <a:rPr lang="fr-FR" sz="9600" b="1" dirty="0" smtClean="0">
                 <a:effectLst>
                   <a:outerShdw blurRad="38100" dist="38100" dir="2700000" algn="tl">
                     <a:srgbClr val="000000">
@@ -4858,19 +4898,7 @@
                   </a:outerShdw>
                 </a:effectLst>
               </a:rPr>
-              <a:t>m</a:t>
-            </a:r>
-            <a:r>
-              <a:rPr lang="fr-FR" sz="9600" b="1" dirty="0" err="1" smtClean="0">
-                <a:effectLst>
-                  <a:outerShdw blurRad="38100" dist="38100" dir="2700000" algn="tl">
-                    <a:srgbClr val="000000">
-                      <a:alpha val="43137"/>
-                    </a:srgbClr>
-                  </a:outerShdw>
-                </a:effectLst>
-              </a:rPr>
-              <a:t>andalo</a:t>
+              <a:t>mandalo</a:t>
             </a:r>
             <a:r>
               <a:rPr lang="fr-FR" sz="9600" b="1" dirty="0" smtClean="0">
